--- a/ДОКУМЕНТЫ/МАТЕРИАЛ СТАТЬИ/WIWI_SHIWA_NETWORK.pptx
+++ b/ДОКУМЕНТЫ/МАТЕРИАЛ СТАТЬИ/WIWI_SHIWA_NETWORK.pptx
@@ -8881,7 +8881,7 @@
         </p:nvSpPr>
         <p:spPr>
           <a:xfrm>
-            <a:off x="4798041" y="814388"/>
+            <a:off x="4714875" y="298438"/>
             <a:ext cx="4114800" cy="2393156"/>
           </a:xfrm>
           <a:prstGeom prst="rect">
@@ -8901,7 +8901,7 @@
         </p:nvSpPr>
         <p:spPr>
           <a:xfrm>
-            <a:off x="4886325" y="1028700"/>
+            <a:off x="4803159" y="548469"/>
             <a:ext cx="3829050" cy="214313"/>
           </a:xfrm>
           <a:prstGeom prst="rect">
@@ -8950,7 +8950,7 @@
         </p:blipFill>
         <p:spPr>
           <a:xfrm>
-            <a:off x="4886325" y="1350169"/>
+            <a:off x="4803159" y="869938"/>
             <a:ext cx="3829050" cy="1785938"/>
           </a:xfrm>
           <a:prstGeom prst="rect">
@@ -8966,7 +8966,7 @@
         </p:nvSpPr>
         <p:spPr>
           <a:xfrm>
-            <a:off x="4743450" y="3421856"/>
+            <a:off x="4743450" y="2924245"/>
             <a:ext cx="4114800" cy="2393156"/>
           </a:xfrm>
           <a:prstGeom prst="rect">
@@ -8986,7 +8986,7 @@
         </p:nvSpPr>
         <p:spPr>
           <a:xfrm>
-            <a:off x="4886325" y="3564731"/>
+            <a:off x="4886325" y="3067120"/>
             <a:ext cx="3829050" cy="214313"/>
           </a:xfrm>
           <a:prstGeom prst="rect">
@@ -9035,7 +9035,7 @@
         </p:blipFill>
         <p:spPr>
           <a:xfrm>
-            <a:off x="4886325" y="3886200"/>
+            <a:off x="4886325" y="3388589"/>
             <a:ext cx="3829050" cy="1785938"/>
           </a:xfrm>
           <a:prstGeom prst="rect">
@@ -9651,7 +9651,7 @@
         </p:nvSpPr>
         <p:spPr>
           <a:xfrm>
-            <a:off x="285750" y="4036219"/>
+            <a:off x="341170" y="3841710"/>
             <a:ext cx="8572500" cy="257175"/>
           </a:xfrm>
           <a:prstGeom prst="rect">
@@ -9692,7 +9692,7 @@
         </p:nvSpPr>
         <p:spPr>
           <a:xfrm>
-            <a:off x="285750" y="4400550"/>
+            <a:off x="341170" y="4206041"/>
             <a:ext cx="8572500" cy="2071688"/>
           </a:xfrm>
           <a:prstGeom prst="rect">
@@ -9720,7 +9720,7 @@
         </p:blipFill>
         <p:spPr>
           <a:xfrm>
-            <a:off x="428625" y="4543425"/>
+            <a:off x="484045" y="4348916"/>
             <a:ext cx="8286750" cy="1785938"/>
           </a:xfrm>
           <a:prstGeom prst="rect">
